--- a/Lesson4-Variables and Range/Lesson4-Variables and Range.pptx
+++ b/Lesson4-Variables and Range/Lesson4-Variables and Range.pptx
@@ -3016,7 +3016,7 @@
           <a:p>
             <a:fld id="{1DD4402E-2714-4F60-8F6B-D0DE2235143B}" type="datetimeFigureOut">
               <a:rPr lang="el-GR" smtClean="0"/>
-              <a:t>9/2/2021</a:t>
+              <a:t>1/3/2021</a:t>
             </a:fld>
             <a:endParaRPr lang="el-GR"/>
           </a:p>
@@ -6381,7 +6381,7 @@
           <a:p>
             <a:fld id="{86F0BDD2-2FE9-4947-8A0F-347E40919148}" type="datetimeFigureOut">
               <a:rPr lang="el-GR" smtClean="0"/>
-              <a:t>9/2/2021</a:t>
+              <a:t>1/3/2021</a:t>
             </a:fld>
             <a:endParaRPr lang="el-GR"/>
           </a:p>
@@ -6691,7 +6691,7 @@
             <a:fld id="{86F0BDD2-2FE9-4947-8A0F-347E40919148}" type="datetimeFigureOut">
               <a:rPr lang="el-GR" smtClean="0"/>
               <a:pPr/>
-              <a:t>9/2/2021</a:t>
+              <a:t>1/3/2021</a:t>
             </a:fld>
             <a:endParaRPr lang="el-GR"/>
           </a:p>
@@ -7002,7 +7002,7 @@
           <a:p>
             <a:fld id="{86F0BDD2-2FE9-4947-8A0F-347E40919148}" type="datetimeFigureOut">
               <a:rPr lang="el-GR" smtClean="0"/>
-              <a:t>9/2/2021</a:t>
+              <a:t>1/3/2021</a:t>
             </a:fld>
             <a:endParaRPr lang="el-GR"/>
           </a:p>
@@ -7519,7 +7519,7 @@
             <a:fld id="{86F0BDD2-2FE9-4947-8A0F-347E40919148}" type="datetimeFigureOut">
               <a:rPr lang="el-GR" smtClean="0"/>
               <a:pPr/>
-              <a:t>9/2/2021</a:t>
+              <a:t>1/3/2021</a:t>
             </a:fld>
             <a:endParaRPr lang="el-GR">
               <a:latin typeface="Verdana" panose="020B0604030504040204" pitchFamily="34" charset="0"/>
@@ -7726,7 +7726,7 @@
             <a:fld id="{86F0BDD2-2FE9-4947-8A0F-347E40919148}" type="datetimeFigureOut">
               <a:rPr lang="el-GR" smtClean="0"/>
               <a:pPr/>
-              <a:t>9/2/2021</a:t>
+              <a:t>1/3/2021</a:t>
             </a:fld>
             <a:endParaRPr lang="el-GR" sz="1100"/>
           </a:p>
@@ -7874,7 +7874,7 @@
           <a:p>
             <a:fld id="{86F0BDD2-2FE9-4947-8A0F-347E40919148}" type="datetimeFigureOut">
               <a:rPr lang="el-GR" smtClean="0"/>
-              <a:t>9/2/2021</a:t>
+              <a:t>1/3/2021</a:t>
             </a:fld>
             <a:endParaRPr lang="el-GR"/>
           </a:p>
@@ -8236,7 +8236,7 @@
             <a:fld id="{86F0BDD2-2FE9-4947-8A0F-347E40919148}" type="datetimeFigureOut">
               <a:rPr lang="el-GR" smtClean="0"/>
               <a:pPr/>
-              <a:t>9/2/2021</a:t>
+              <a:t>1/3/2021</a:t>
             </a:fld>
             <a:endParaRPr lang="el-GR">
               <a:latin typeface="Verdana" panose="020B0604030504040204" pitchFamily="34" charset="0"/>
@@ -8587,7 +8587,7 @@
             <a:fld id="{86F0BDD2-2FE9-4947-8A0F-347E40919148}" type="datetimeFigureOut">
               <a:rPr lang="el-GR" smtClean="0"/>
               <a:pPr/>
-              <a:t>9/2/2021</a:t>
+              <a:t>1/3/2021</a:t>
             </a:fld>
             <a:endParaRPr lang="el-GR">
               <a:latin typeface="Verdana" panose="020B0604030504040204" pitchFamily="34" charset="0"/>
@@ -8911,7 +8911,7 @@
             <a:fld id="{86F0BDD2-2FE9-4947-8A0F-347E40919148}" type="datetimeFigureOut">
               <a:rPr lang="el-GR" smtClean="0"/>
               <a:pPr/>
-              <a:t>9/2/2021</a:t>
+              <a:t>1/3/2021</a:t>
             </a:fld>
             <a:endParaRPr lang="el-GR"/>
           </a:p>
@@ -9577,6 +9577,41 @@
           </a:p>
         </p:txBody>
       </p:sp>
+      <p:pic>
+        <p:nvPicPr>
+          <p:cNvPr id="7" name="Εικόνα 6">
+            <a:hlinkClick r:id="rId2"/>
+            <a:extLst>
+              <a:ext uri="{FF2B5EF4-FFF2-40B4-BE49-F238E27FC236}">
+                <a16:creationId xmlns:a16="http://schemas.microsoft.com/office/drawing/2014/main" id="{C839C57B-1F5B-45C1-9BBD-61037B48824A}"/>
+              </a:ext>
+            </a:extLst>
+          </p:cNvPr>
+          <p:cNvPicPr/>
+          <p:nvPr/>
+        </p:nvPicPr>
+        <p:blipFill>
+          <a:blip r:embed="rId3">
+            <a:extLst>
+              <a:ext uri="{28A0092B-C50C-407E-A947-70E740481C1C}">
+                <a14:useLocalDpi xmlns:a14="http://schemas.microsoft.com/office/drawing/2010/main" val="0"/>
+              </a:ext>
+            </a:extLst>
+          </a:blip>
+          <a:stretch>
+            <a:fillRect/>
+          </a:stretch>
+        </p:blipFill>
+        <p:spPr>
+          <a:xfrm>
+            <a:off x="143607" y="6446594"/>
+            <a:ext cx="838200" cy="295275"/>
+          </a:xfrm>
+          <a:prstGeom prst="rect">
+            <a:avLst/>
+          </a:prstGeom>
+        </p:spPr>
+      </p:pic>
     </p:spTree>
     <p:extLst>
       <p:ext uri="{BB962C8B-B14F-4D97-AF65-F5344CB8AC3E}">
@@ -19702,61 +19737,61 @@
               <a:avLst/>
               <a:gdLst>
                 <a:gd name="connsiteX0" fmla="*/ 0 w 7069016"/>
-                <a:gd name="connsiteY0" fmla="*/ 108314 h 649869"/>
-                <a:gd name="connsiteX1" fmla="*/ 108314 w 7069016"/>
-                <a:gd name="connsiteY1" fmla="*/ 0 h 649869"/>
-                <a:gd name="connsiteX2" fmla="*/ 725029 w 7069016"/>
-                <a:gd name="connsiteY2" fmla="*/ 0 h 649869"/>
-                <a:gd name="connsiteX3" fmla="*/ 1341744 w 7069016"/>
-                <a:gd name="connsiteY3" fmla="*/ 0 h 649869"/>
-                <a:gd name="connsiteX4" fmla="*/ 2164030 w 7069016"/>
-                <a:gd name="connsiteY4" fmla="*/ 0 h 649869"/>
-                <a:gd name="connsiteX5" fmla="*/ 2780745 w 7069016"/>
-                <a:gd name="connsiteY5" fmla="*/ 0 h 649869"/>
-                <a:gd name="connsiteX6" fmla="*/ 3260412 w 7069016"/>
-                <a:gd name="connsiteY6" fmla="*/ 0 h 649869"/>
-                <a:gd name="connsiteX7" fmla="*/ 4014175 w 7069016"/>
-                <a:gd name="connsiteY7" fmla="*/ 0 h 649869"/>
-                <a:gd name="connsiteX8" fmla="*/ 4630890 w 7069016"/>
-                <a:gd name="connsiteY8" fmla="*/ 0 h 649869"/>
-                <a:gd name="connsiteX9" fmla="*/ 5110557 w 7069016"/>
-                <a:gd name="connsiteY9" fmla="*/ 0 h 649869"/>
-                <a:gd name="connsiteX10" fmla="*/ 5932844 w 7069016"/>
-                <a:gd name="connsiteY10" fmla="*/ 0 h 649869"/>
-                <a:gd name="connsiteX11" fmla="*/ 6960702 w 7069016"/>
-                <a:gd name="connsiteY11" fmla="*/ 0 h 649869"/>
+                <a:gd name="connsiteY0" fmla="*/ 144445 h 866652"/>
+                <a:gd name="connsiteX1" fmla="*/ 144445 w 7069016"/>
+                <a:gd name="connsiteY1" fmla="*/ 0 h 866652"/>
+                <a:gd name="connsiteX2" fmla="*/ 754656 w 7069016"/>
+                <a:gd name="connsiteY2" fmla="*/ 0 h 866652"/>
+                <a:gd name="connsiteX3" fmla="*/ 1364868 w 7069016"/>
+                <a:gd name="connsiteY3" fmla="*/ 0 h 866652"/>
+                <a:gd name="connsiteX4" fmla="*/ 2178483 w 7069016"/>
+                <a:gd name="connsiteY4" fmla="*/ 0 h 866652"/>
+                <a:gd name="connsiteX5" fmla="*/ 2788694 w 7069016"/>
+                <a:gd name="connsiteY5" fmla="*/ 0 h 866652"/>
+                <a:gd name="connsiteX6" fmla="*/ 3263303 w 7069016"/>
+                <a:gd name="connsiteY6" fmla="*/ 0 h 866652"/>
+                <a:gd name="connsiteX7" fmla="*/ 4009117 w 7069016"/>
+                <a:gd name="connsiteY7" fmla="*/ 0 h 866652"/>
+                <a:gd name="connsiteX8" fmla="*/ 4619328 w 7069016"/>
+                <a:gd name="connsiteY8" fmla="*/ 0 h 866652"/>
+                <a:gd name="connsiteX9" fmla="*/ 5093937 w 7069016"/>
+                <a:gd name="connsiteY9" fmla="*/ 0 h 866652"/>
+                <a:gd name="connsiteX10" fmla="*/ 5907552 w 7069016"/>
+                <a:gd name="connsiteY10" fmla="*/ 0 h 866652"/>
+                <a:gd name="connsiteX11" fmla="*/ 6924571 w 7069016"/>
+                <a:gd name="connsiteY11" fmla="*/ 0 h 866652"/>
                 <a:gd name="connsiteX12" fmla="*/ 7069016 w 7069016"/>
-                <a:gd name="connsiteY12" fmla="*/ 108314 h 649869"/>
+                <a:gd name="connsiteY12" fmla="*/ 144445 h 866652"/>
                 <a:gd name="connsiteX13" fmla="*/ 7069016 w 7069016"/>
-                <a:gd name="connsiteY13" fmla="*/ 541555 h 649869"/>
-                <a:gd name="connsiteX14" fmla="*/ 6960702 w 7069016"/>
-                <a:gd name="connsiteY14" fmla="*/ 649869 h 649869"/>
-                <a:gd name="connsiteX15" fmla="*/ 6481035 w 7069016"/>
-                <a:gd name="connsiteY15" fmla="*/ 649869 h 649869"/>
-                <a:gd name="connsiteX16" fmla="*/ 5932844 w 7069016"/>
-                <a:gd name="connsiteY16" fmla="*/ 649869 h 649869"/>
-                <a:gd name="connsiteX17" fmla="*/ 5110557 w 7069016"/>
-                <a:gd name="connsiteY17" fmla="*/ 649869 h 649869"/>
-                <a:gd name="connsiteX18" fmla="*/ 4562366 w 7069016"/>
-                <a:gd name="connsiteY18" fmla="*/ 649869 h 649869"/>
-                <a:gd name="connsiteX19" fmla="*/ 4082699 w 7069016"/>
-                <a:gd name="connsiteY19" fmla="*/ 649869 h 649869"/>
-                <a:gd name="connsiteX20" fmla="*/ 3328936 w 7069016"/>
-                <a:gd name="connsiteY20" fmla="*/ 649869 h 649869"/>
-                <a:gd name="connsiteX21" fmla="*/ 2643698 w 7069016"/>
-                <a:gd name="connsiteY21" fmla="*/ 649869 h 649869"/>
-                <a:gd name="connsiteX22" fmla="*/ 2026983 w 7069016"/>
-                <a:gd name="connsiteY22" fmla="*/ 649869 h 649869"/>
-                <a:gd name="connsiteX23" fmla="*/ 1547315 w 7069016"/>
-                <a:gd name="connsiteY23" fmla="*/ 649869 h 649869"/>
-                <a:gd name="connsiteX24" fmla="*/ 793553 w 7069016"/>
-                <a:gd name="connsiteY24" fmla="*/ 649869 h 649869"/>
-                <a:gd name="connsiteX25" fmla="*/ 108314 w 7069016"/>
-                <a:gd name="connsiteY25" fmla="*/ 649869 h 649869"/>
+                <a:gd name="connsiteY13" fmla="*/ 722207 h 866652"/>
+                <a:gd name="connsiteX14" fmla="*/ 6924571 w 7069016"/>
+                <a:gd name="connsiteY14" fmla="*/ 866652 h 866652"/>
+                <a:gd name="connsiteX15" fmla="*/ 6449962 w 7069016"/>
+                <a:gd name="connsiteY15" fmla="*/ 866652 h 866652"/>
+                <a:gd name="connsiteX16" fmla="*/ 5907552 w 7069016"/>
+                <a:gd name="connsiteY16" fmla="*/ 866652 h 866652"/>
+                <a:gd name="connsiteX17" fmla="*/ 5093937 w 7069016"/>
+                <a:gd name="connsiteY17" fmla="*/ 866652 h 866652"/>
+                <a:gd name="connsiteX18" fmla="*/ 4551527 w 7069016"/>
+                <a:gd name="connsiteY18" fmla="*/ 866652 h 866652"/>
+                <a:gd name="connsiteX19" fmla="*/ 4076918 w 7069016"/>
+                <a:gd name="connsiteY19" fmla="*/ 866652 h 866652"/>
+                <a:gd name="connsiteX20" fmla="*/ 3331104 w 7069016"/>
+                <a:gd name="connsiteY20" fmla="*/ 866652 h 866652"/>
+                <a:gd name="connsiteX21" fmla="*/ 2653092 w 7069016"/>
+                <a:gd name="connsiteY21" fmla="*/ 866652 h 866652"/>
+                <a:gd name="connsiteX22" fmla="*/ 2042880 w 7069016"/>
+                <a:gd name="connsiteY22" fmla="*/ 866652 h 866652"/>
+                <a:gd name="connsiteX23" fmla="*/ 1568271 w 7069016"/>
+                <a:gd name="connsiteY23" fmla="*/ 866652 h 866652"/>
+                <a:gd name="connsiteX24" fmla="*/ 822458 w 7069016"/>
+                <a:gd name="connsiteY24" fmla="*/ 866652 h 866652"/>
+                <a:gd name="connsiteX25" fmla="*/ 144445 w 7069016"/>
+                <a:gd name="connsiteY25" fmla="*/ 866652 h 866652"/>
                 <a:gd name="connsiteX26" fmla="*/ 0 w 7069016"/>
-                <a:gd name="connsiteY26" fmla="*/ 541555 h 649869"/>
+                <a:gd name="connsiteY26" fmla="*/ 722207 h 866652"/>
                 <a:gd name="connsiteX27" fmla="*/ 0 w 7069016"/>
-                <a:gd name="connsiteY27" fmla="*/ 108314 h 649869"/>
+                <a:gd name="connsiteY27" fmla="*/ 144445 h 866652"/>
               </a:gdLst>
               <a:ahLst/>
               <a:cxnLst>
@@ -19847,144 +19882,144 @@
               </a:cxnLst>
               <a:rect l="l" t="t" r="r" b="b"/>
               <a:pathLst>
-                <a:path w="7069016" h="649869" extrusionOk="0">
+                <a:path w="7069016" h="866652" extrusionOk="0">
                   <a:moveTo>
-                    <a:pt x="0" y="108314"/>
+                    <a:pt x="0" y="144445"/>
                   </a:moveTo>
                   <a:cubicBezTo>
-                    <a:pt x="5274" y="46035"/>
-                    <a:pt x="37978" y="2169"/>
-                    <a:pt x="108314" y="0"/>
+                    <a:pt x="9946" y="60033"/>
+                    <a:pt x="47442" y="3554"/>
+                    <a:pt x="144445" y="0"/>
                   </a:cubicBezTo>
                   <a:cubicBezTo>
-                    <a:pt x="334257" y="4323"/>
-                    <a:pt x="573414" y="29538"/>
-                    <a:pt x="725029" y="0"/>
+                    <a:pt x="338299" y="-7421"/>
+                    <a:pt x="479256" y="-12427"/>
+                    <a:pt x="754656" y="0"/>
                   </a:cubicBezTo>
                   <a:cubicBezTo>
-                    <a:pt x="876645" y="-29538"/>
-                    <a:pt x="1104142" y="22070"/>
-                    <a:pt x="1341744" y="0"/>
+                    <a:pt x="1030056" y="12427"/>
+                    <a:pt x="1126401" y="20284"/>
+                    <a:pt x="1364868" y="0"/>
                   </a:cubicBezTo>
                   <a:cubicBezTo>
-                    <a:pt x="1579347" y="-22070"/>
-                    <a:pt x="1988872" y="18879"/>
-                    <a:pt x="2164030" y="0"/>
+                    <a:pt x="1603335" y="-20284"/>
+                    <a:pt x="1779314" y="30942"/>
+                    <a:pt x="2178483" y="0"/>
                   </a:cubicBezTo>
                   <a:cubicBezTo>
-                    <a:pt x="2339188" y="-18879"/>
-                    <a:pt x="2651237" y="-4582"/>
-                    <a:pt x="2780745" y="0"/>
+                    <a:pt x="2577653" y="-30942"/>
+                    <a:pt x="2643848" y="5813"/>
+                    <a:pt x="2788694" y="0"/>
                   </a:cubicBezTo>
                   <a:cubicBezTo>
-                    <a:pt x="2910253" y="4582"/>
-                    <a:pt x="3137159" y="23401"/>
-                    <a:pt x="3260412" y="0"/>
+                    <a:pt x="2933540" y="-5813"/>
+                    <a:pt x="3040973" y="-21700"/>
+                    <a:pt x="3263303" y="0"/>
                   </a:cubicBezTo>
                   <a:cubicBezTo>
-                    <a:pt x="3383665" y="-23401"/>
-                    <a:pt x="3757463" y="-13463"/>
-                    <a:pt x="4014175" y="0"/>
+                    <a:pt x="3485633" y="21700"/>
+                    <a:pt x="3798485" y="6005"/>
+                    <a:pt x="4009117" y="0"/>
                   </a:cubicBezTo>
                   <a:cubicBezTo>
-                    <a:pt x="4270887" y="13463"/>
-                    <a:pt x="4464901" y="12383"/>
-                    <a:pt x="4630890" y="0"/>
+                    <a:pt x="4219749" y="-6005"/>
+                    <a:pt x="4481973" y="-19399"/>
+                    <a:pt x="4619328" y="0"/>
                   </a:cubicBezTo>
                   <a:cubicBezTo>
-                    <a:pt x="4796879" y="-12383"/>
-                    <a:pt x="4910738" y="11110"/>
-                    <a:pt x="5110557" y="0"/>
+                    <a:pt x="4756683" y="19399"/>
+                    <a:pt x="4903076" y="-11483"/>
+                    <a:pt x="5093937" y="0"/>
                   </a:cubicBezTo>
                   <a:cubicBezTo>
-                    <a:pt x="5310376" y="-11110"/>
-                    <a:pt x="5551997" y="-1484"/>
-                    <a:pt x="5932844" y="0"/>
+                    <a:pt x="5284798" y="11483"/>
+                    <a:pt x="5576574" y="26392"/>
+                    <a:pt x="5907552" y="0"/>
                   </a:cubicBezTo>
                   <a:cubicBezTo>
-                    <a:pt x="6313691" y="1484"/>
-                    <a:pt x="6549442" y="46825"/>
-                    <a:pt x="6960702" y="0"/>
+                    <a:pt x="6238530" y="-26392"/>
+                    <a:pt x="6656189" y="-18187"/>
+                    <a:pt x="6924571" y="0"/>
                   </a:cubicBezTo>
                   <a:cubicBezTo>
-                    <a:pt x="7025774" y="-8577"/>
-                    <a:pt x="7075862" y="58082"/>
-                    <a:pt x="7069016" y="108314"/>
+                    <a:pt x="7010709" y="-10391"/>
+                    <a:pt x="7070143" y="66248"/>
+                    <a:pt x="7069016" y="144445"/>
                   </a:cubicBezTo>
                   <a:cubicBezTo>
-                    <a:pt x="7080612" y="281152"/>
-                    <a:pt x="7049995" y="424285"/>
-                    <a:pt x="7069016" y="541555"/>
+                    <a:pt x="7080759" y="341464"/>
+                    <a:pt x="7048326" y="436764"/>
+                    <a:pt x="7069016" y="722207"/>
                   </a:cubicBezTo>
                   <a:cubicBezTo>
-                    <a:pt x="7065854" y="600738"/>
-                    <a:pt x="7028904" y="638031"/>
-                    <a:pt x="6960702" y="649869"/>
+                    <a:pt x="7062978" y="800765"/>
+                    <a:pt x="7009562" y="859286"/>
+                    <a:pt x="6924571" y="866652"/>
                   </a:cubicBezTo>
                   <a:cubicBezTo>
-                    <a:pt x="6810538" y="629265"/>
-                    <a:pt x="6708911" y="644207"/>
-                    <a:pt x="6481035" y="649869"/>
+                    <a:pt x="6727750" y="879430"/>
+                    <a:pt x="6627209" y="861496"/>
+                    <a:pt x="6449962" y="866652"/>
                   </a:cubicBezTo>
                   <a:cubicBezTo>
-                    <a:pt x="6253159" y="655531"/>
-                    <a:pt x="6112974" y="624177"/>
-                    <a:pt x="5932844" y="649869"/>
+                    <a:pt x="6272715" y="871808"/>
+                    <a:pt x="6132613" y="869668"/>
+                    <a:pt x="5907552" y="866652"/>
                   </a:cubicBezTo>
                   <a:cubicBezTo>
-                    <a:pt x="5752714" y="675561"/>
-                    <a:pt x="5457400" y="679658"/>
-                    <a:pt x="5110557" y="649869"/>
+                    <a:pt x="5682491" y="863637"/>
+                    <a:pt x="5367559" y="840697"/>
+                    <a:pt x="5093937" y="866652"/>
                   </a:cubicBezTo>
                   <a:cubicBezTo>
-                    <a:pt x="4763714" y="620080"/>
-                    <a:pt x="4750474" y="635913"/>
-                    <a:pt x="4562366" y="649869"/>
+                    <a:pt x="4820316" y="892607"/>
+                    <a:pt x="4739342" y="864828"/>
+                    <a:pt x="4551527" y="866652"/>
                   </a:cubicBezTo>
                   <a:cubicBezTo>
-                    <a:pt x="4374258" y="663825"/>
-                    <a:pt x="4191657" y="661136"/>
-                    <a:pt x="4082699" y="649869"/>
+                    <a:pt x="4363712" y="868477"/>
+                    <a:pt x="4212484" y="881376"/>
+                    <a:pt x="4076918" y="866652"/>
                   </a:cubicBezTo>
                   <a:cubicBezTo>
-                    <a:pt x="3973741" y="638602"/>
-                    <a:pt x="3651723" y="616235"/>
-                    <a:pt x="3328936" y="649869"/>
+                    <a:pt x="3941352" y="851928"/>
+                    <a:pt x="3614075" y="901520"/>
+                    <a:pt x="3331104" y="866652"/>
                   </a:cubicBezTo>
                   <a:cubicBezTo>
-                    <a:pt x="3006149" y="683503"/>
-                    <a:pt x="2971926" y="633507"/>
-                    <a:pt x="2643698" y="649869"/>
+                    <a:pt x="3048133" y="831784"/>
+                    <a:pt x="2913790" y="894406"/>
+                    <a:pt x="2653092" y="866652"/>
                   </a:cubicBezTo>
                   <a:cubicBezTo>
-                    <a:pt x="2315470" y="666231"/>
-                    <a:pt x="2192939" y="669560"/>
-                    <a:pt x="2026983" y="649869"/>
+                    <a:pt x="2392394" y="838898"/>
+                    <a:pt x="2218278" y="845059"/>
+                    <a:pt x="2042880" y="866652"/>
                   </a:cubicBezTo>
                   <a:cubicBezTo>
-                    <a:pt x="1861028" y="630178"/>
-                    <a:pt x="1689569" y="634972"/>
-                    <a:pt x="1547315" y="649869"/>
+                    <a:pt x="1867482" y="888245"/>
+                    <a:pt x="1666018" y="882686"/>
+                    <a:pt x="1568271" y="866652"/>
                   </a:cubicBezTo>
                   <a:cubicBezTo>
-                    <a:pt x="1405061" y="664766"/>
-                    <a:pt x="1024619" y="633146"/>
-                    <a:pt x="793553" y="649869"/>
+                    <a:pt x="1470524" y="850618"/>
+                    <a:pt x="993417" y="854977"/>
+                    <a:pt x="822458" y="866652"/>
                   </a:cubicBezTo>
                   <a:cubicBezTo>
-                    <a:pt x="562487" y="666592"/>
-                    <a:pt x="386724" y="631249"/>
-                    <a:pt x="108314" y="649869"/>
+                    <a:pt x="651499" y="878327"/>
+                    <a:pt x="398808" y="865886"/>
+                    <a:pt x="144445" y="866652"/>
                   </a:cubicBezTo>
                   <a:cubicBezTo>
-                    <a:pt x="53080" y="650390"/>
-                    <a:pt x="-3043" y="608607"/>
-                    <a:pt x="0" y="541555"/>
+                    <a:pt x="70044" y="867262"/>
+                    <a:pt x="-3259" y="809727"/>
+                    <a:pt x="0" y="722207"/>
                   </a:cubicBezTo>
                   <a:cubicBezTo>
-                    <a:pt x="-19024" y="351202"/>
-                    <a:pt x="1367" y="225115"/>
-                    <a:pt x="0" y="108314"/>
+                    <a:pt x="-6662" y="565218"/>
+                    <a:pt x="23654" y="294775"/>
+                    <a:pt x="0" y="144445"/>
                   </a:cubicBezTo>
                   <a:close/>
                 </a:path>
@@ -20545,64 +20580,62 @@
             <a:custGeom>
               <a:avLst/>
               <a:gdLst>
-                <a:gd name="connsiteX0" fmla="*/ 0 w 7339789"/>
-                <a:gd name="connsiteY0" fmla="*/ 99274 h 595631"/>
-                <a:gd name="connsiteX1" fmla="*/ 99274 w 7339789"/>
-                <a:gd name="connsiteY1" fmla="*/ 0 h 595631"/>
-                <a:gd name="connsiteX2" fmla="*/ 677065 w 7339789"/>
-                <a:gd name="connsiteY2" fmla="*/ 0 h 595631"/>
-                <a:gd name="connsiteX3" fmla="*/ 1254857 w 7339789"/>
-                <a:gd name="connsiteY3" fmla="*/ 0 h 595631"/>
-                <a:gd name="connsiteX4" fmla="*/ 2046885 w 7339789"/>
-                <a:gd name="connsiteY4" fmla="*/ 0 h 595631"/>
-                <a:gd name="connsiteX5" fmla="*/ 2624676 w 7339789"/>
-                <a:gd name="connsiteY5" fmla="*/ 0 h 595631"/>
-                <a:gd name="connsiteX6" fmla="*/ 3059643 w 7339789"/>
-                <a:gd name="connsiteY6" fmla="*/ 0 h 595631"/>
-                <a:gd name="connsiteX7" fmla="*/ 3780259 w 7339789"/>
-                <a:gd name="connsiteY7" fmla="*/ 0 h 595631"/>
-                <a:gd name="connsiteX8" fmla="*/ 4358050 w 7339789"/>
-                <a:gd name="connsiteY8" fmla="*/ 0 h 595631"/>
-                <a:gd name="connsiteX9" fmla="*/ 4793017 w 7339789"/>
-                <a:gd name="connsiteY9" fmla="*/ 0 h 595631"/>
-                <a:gd name="connsiteX10" fmla="*/ 5585045 w 7339789"/>
-                <a:gd name="connsiteY10" fmla="*/ 0 h 595631"/>
-                <a:gd name="connsiteX11" fmla="*/ 6091424 w 7339789"/>
-                <a:gd name="connsiteY11" fmla="*/ 0 h 595631"/>
-                <a:gd name="connsiteX12" fmla="*/ 7240515 w 7339789"/>
-                <a:gd name="connsiteY12" fmla="*/ 0 h 595631"/>
-                <a:gd name="connsiteX13" fmla="*/ 7339789 w 7339789"/>
-                <a:gd name="connsiteY13" fmla="*/ 99274 h 595631"/>
-                <a:gd name="connsiteX14" fmla="*/ 7339789 w 7339789"/>
-                <a:gd name="connsiteY14" fmla="*/ 496357 h 595631"/>
-                <a:gd name="connsiteX15" fmla="*/ 7240515 w 7339789"/>
-                <a:gd name="connsiteY15" fmla="*/ 595631 h 595631"/>
-                <a:gd name="connsiteX16" fmla="*/ 6448486 w 7339789"/>
-                <a:gd name="connsiteY16" fmla="*/ 595631 h 595631"/>
-                <a:gd name="connsiteX17" fmla="*/ 5656458 w 7339789"/>
-                <a:gd name="connsiteY17" fmla="*/ 595631 h 595631"/>
-                <a:gd name="connsiteX18" fmla="*/ 5150079 w 7339789"/>
-                <a:gd name="connsiteY18" fmla="*/ 595631 h 595631"/>
-                <a:gd name="connsiteX19" fmla="*/ 4715113 w 7339789"/>
-                <a:gd name="connsiteY19" fmla="*/ 595631 h 595631"/>
-                <a:gd name="connsiteX20" fmla="*/ 3994496 w 7339789"/>
-                <a:gd name="connsiteY20" fmla="*/ 595631 h 595631"/>
-                <a:gd name="connsiteX21" fmla="*/ 3345293 w 7339789"/>
-                <a:gd name="connsiteY21" fmla="*/ 595631 h 595631"/>
-                <a:gd name="connsiteX22" fmla="*/ 2767501 w 7339789"/>
-                <a:gd name="connsiteY22" fmla="*/ 595631 h 595631"/>
-                <a:gd name="connsiteX23" fmla="*/ 2332535 w 7339789"/>
-                <a:gd name="connsiteY23" fmla="*/ 595631 h 595631"/>
-                <a:gd name="connsiteX24" fmla="*/ 1611919 w 7339789"/>
-                <a:gd name="connsiteY24" fmla="*/ 595631 h 595631"/>
-                <a:gd name="connsiteX25" fmla="*/ 1105540 w 7339789"/>
-                <a:gd name="connsiteY25" fmla="*/ 595631 h 595631"/>
-                <a:gd name="connsiteX26" fmla="*/ 99274 w 7339789"/>
-                <a:gd name="connsiteY26" fmla="*/ 595631 h 595631"/>
-                <a:gd name="connsiteX27" fmla="*/ 0 w 7339789"/>
-                <a:gd name="connsiteY27" fmla="*/ 496357 h 595631"/>
-                <a:gd name="connsiteX28" fmla="*/ 0 w 7339789"/>
-                <a:gd name="connsiteY28" fmla="*/ 99274 h 595631"/>
+                <a:gd name="connsiteX0" fmla="*/ 0 w 7069016"/>
+                <a:gd name="connsiteY0" fmla="*/ 144445 h 866652"/>
+                <a:gd name="connsiteX1" fmla="*/ 144445 w 7069016"/>
+                <a:gd name="connsiteY1" fmla="*/ 0 h 866652"/>
+                <a:gd name="connsiteX2" fmla="*/ 754656 w 7069016"/>
+                <a:gd name="connsiteY2" fmla="*/ 0 h 866652"/>
+                <a:gd name="connsiteX3" fmla="*/ 1364868 w 7069016"/>
+                <a:gd name="connsiteY3" fmla="*/ 0 h 866652"/>
+                <a:gd name="connsiteX4" fmla="*/ 2178483 w 7069016"/>
+                <a:gd name="connsiteY4" fmla="*/ 0 h 866652"/>
+                <a:gd name="connsiteX5" fmla="*/ 2788694 w 7069016"/>
+                <a:gd name="connsiteY5" fmla="*/ 0 h 866652"/>
+                <a:gd name="connsiteX6" fmla="*/ 3263303 w 7069016"/>
+                <a:gd name="connsiteY6" fmla="*/ 0 h 866652"/>
+                <a:gd name="connsiteX7" fmla="*/ 4009117 w 7069016"/>
+                <a:gd name="connsiteY7" fmla="*/ 0 h 866652"/>
+                <a:gd name="connsiteX8" fmla="*/ 4619328 w 7069016"/>
+                <a:gd name="connsiteY8" fmla="*/ 0 h 866652"/>
+                <a:gd name="connsiteX9" fmla="*/ 5093937 w 7069016"/>
+                <a:gd name="connsiteY9" fmla="*/ 0 h 866652"/>
+                <a:gd name="connsiteX10" fmla="*/ 5907552 w 7069016"/>
+                <a:gd name="connsiteY10" fmla="*/ 0 h 866652"/>
+                <a:gd name="connsiteX11" fmla="*/ 6924571 w 7069016"/>
+                <a:gd name="connsiteY11" fmla="*/ 0 h 866652"/>
+                <a:gd name="connsiteX12" fmla="*/ 7069016 w 7069016"/>
+                <a:gd name="connsiteY12" fmla="*/ 144445 h 866652"/>
+                <a:gd name="connsiteX13" fmla="*/ 7069016 w 7069016"/>
+                <a:gd name="connsiteY13" fmla="*/ 722207 h 866652"/>
+                <a:gd name="connsiteX14" fmla="*/ 6924571 w 7069016"/>
+                <a:gd name="connsiteY14" fmla="*/ 866652 h 866652"/>
+                <a:gd name="connsiteX15" fmla="*/ 6449962 w 7069016"/>
+                <a:gd name="connsiteY15" fmla="*/ 866652 h 866652"/>
+                <a:gd name="connsiteX16" fmla="*/ 5907552 w 7069016"/>
+                <a:gd name="connsiteY16" fmla="*/ 866652 h 866652"/>
+                <a:gd name="connsiteX17" fmla="*/ 5093937 w 7069016"/>
+                <a:gd name="connsiteY17" fmla="*/ 866652 h 866652"/>
+                <a:gd name="connsiteX18" fmla="*/ 4551527 w 7069016"/>
+                <a:gd name="connsiteY18" fmla="*/ 866652 h 866652"/>
+                <a:gd name="connsiteX19" fmla="*/ 4076918 w 7069016"/>
+                <a:gd name="connsiteY19" fmla="*/ 866652 h 866652"/>
+                <a:gd name="connsiteX20" fmla="*/ 3331104 w 7069016"/>
+                <a:gd name="connsiteY20" fmla="*/ 866652 h 866652"/>
+                <a:gd name="connsiteX21" fmla="*/ 2653092 w 7069016"/>
+                <a:gd name="connsiteY21" fmla="*/ 866652 h 866652"/>
+                <a:gd name="connsiteX22" fmla="*/ 2042880 w 7069016"/>
+                <a:gd name="connsiteY22" fmla="*/ 866652 h 866652"/>
+                <a:gd name="connsiteX23" fmla="*/ 1568271 w 7069016"/>
+                <a:gd name="connsiteY23" fmla="*/ 866652 h 866652"/>
+                <a:gd name="connsiteX24" fmla="*/ 822458 w 7069016"/>
+                <a:gd name="connsiteY24" fmla="*/ 866652 h 866652"/>
+                <a:gd name="connsiteX25" fmla="*/ 144445 w 7069016"/>
+                <a:gd name="connsiteY25" fmla="*/ 866652 h 866652"/>
+                <a:gd name="connsiteX26" fmla="*/ 0 w 7069016"/>
+                <a:gd name="connsiteY26" fmla="*/ 722207 h 866652"/>
+                <a:gd name="connsiteX27" fmla="*/ 0 w 7069016"/>
+                <a:gd name="connsiteY27" fmla="*/ 144445 h 866652"/>
               </a:gdLst>
               <a:ahLst/>
               <a:cxnLst>
@@ -20690,155 +20723,147 @@
                 <a:cxn ang="0">
                   <a:pos x="connsiteX27" y="connsiteY27"/>
                 </a:cxn>
-                <a:cxn ang="0">
-                  <a:pos x="connsiteX28" y="connsiteY28"/>
-                </a:cxn>
               </a:cxnLst>
               <a:rect l="l" t="t" r="r" b="b"/>
               <a:pathLst>
-                <a:path w="7339789" h="595631" extrusionOk="0">
+                <a:path w="7069016" h="866652" extrusionOk="0">
                   <a:moveTo>
-                    <a:pt x="0" y="99274"/>
+                    <a:pt x="0" y="144445"/>
                   </a:moveTo>
                   <a:cubicBezTo>
-                    <a:pt x="11255" y="39199"/>
-                    <a:pt x="42425" y="417"/>
-                    <a:pt x="99274" y="0"/>
+                    <a:pt x="9946" y="60033"/>
+                    <a:pt x="47442" y="3554"/>
+                    <a:pt x="144445" y="0"/>
                   </a:cubicBezTo>
                   <a:cubicBezTo>
-                    <a:pt x="236911" y="-20961"/>
-                    <a:pt x="409028" y="25214"/>
-                    <a:pt x="677065" y="0"/>
+                    <a:pt x="338299" y="-7421"/>
+                    <a:pt x="479256" y="-12427"/>
+                    <a:pt x="754656" y="0"/>
                   </a:cubicBezTo>
                   <a:cubicBezTo>
-                    <a:pt x="945102" y="-25214"/>
-                    <a:pt x="1047491" y="-2913"/>
-                    <a:pt x="1254857" y="0"/>
+                    <a:pt x="1030056" y="12427"/>
+                    <a:pt x="1126401" y="20284"/>
+                    <a:pt x="1364868" y="0"/>
                   </a:cubicBezTo>
                   <a:cubicBezTo>
-                    <a:pt x="1462223" y="2913"/>
-                    <a:pt x="1860096" y="-30473"/>
-                    <a:pt x="2046885" y="0"/>
+                    <a:pt x="1603335" y="-20284"/>
+                    <a:pt x="1779314" y="30942"/>
+                    <a:pt x="2178483" y="0"/>
                   </a:cubicBezTo>
                   <a:cubicBezTo>
-                    <a:pt x="2233674" y="30473"/>
-                    <a:pt x="2370995" y="-6846"/>
-                    <a:pt x="2624676" y="0"/>
+                    <a:pt x="2577653" y="-30942"/>
+                    <a:pt x="2643848" y="5813"/>
+                    <a:pt x="2788694" y="0"/>
                   </a:cubicBezTo>
                   <a:cubicBezTo>
-                    <a:pt x="2878357" y="6846"/>
-                    <a:pt x="2854380" y="-19689"/>
-                    <a:pt x="3059643" y="0"/>
+                    <a:pt x="2933540" y="-5813"/>
+                    <a:pt x="3040973" y="-21700"/>
+                    <a:pt x="3263303" y="0"/>
                   </a:cubicBezTo>
                   <a:cubicBezTo>
-                    <a:pt x="3264906" y="19689"/>
-                    <a:pt x="3556147" y="14434"/>
-                    <a:pt x="3780259" y="0"/>
+                    <a:pt x="3485633" y="21700"/>
+                    <a:pt x="3798485" y="6005"/>
+                    <a:pt x="4009117" y="0"/>
                   </a:cubicBezTo>
                   <a:cubicBezTo>
-                    <a:pt x="4004371" y="-14434"/>
-                    <a:pt x="4150991" y="3283"/>
-                    <a:pt x="4358050" y="0"/>
+                    <a:pt x="4219749" y="-6005"/>
+                    <a:pt x="4481973" y="-19399"/>
+                    <a:pt x="4619328" y="0"/>
                   </a:cubicBezTo>
                   <a:cubicBezTo>
-                    <a:pt x="4565109" y="-3283"/>
-                    <a:pt x="4654719" y="1181"/>
-                    <a:pt x="4793017" y="0"/>
+                    <a:pt x="4756683" y="19399"/>
+                    <a:pt x="4903076" y="-11483"/>
+                    <a:pt x="5093937" y="0"/>
                   </a:cubicBezTo>
                   <a:cubicBezTo>
-                    <a:pt x="4931315" y="-1181"/>
-                    <a:pt x="5421277" y="37709"/>
-                    <a:pt x="5585045" y="0"/>
+                    <a:pt x="5284798" y="11483"/>
+                    <a:pt x="5576574" y="26392"/>
+                    <a:pt x="5907552" y="0"/>
                   </a:cubicBezTo>
                   <a:cubicBezTo>
-                    <a:pt x="5748813" y="-37709"/>
-                    <a:pt x="5937488" y="24231"/>
-                    <a:pt x="6091424" y="0"/>
+                    <a:pt x="6238530" y="-26392"/>
+                    <a:pt x="6656189" y="-18187"/>
+                    <a:pt x="6924571" y="0"/>
                   </a:cubicBezTo>
                   <a:cubicBezTo>
-                    <a:pt x="6245360" y="-24231"/>
-                    <a:pt x="7006415" y="5051"/>
-                    <a:pt x="7240515" y="0"/>
+                    <a:pt x="7010709" y="-10391"/>
+                    <a:pt x="7070143" y="66248"/>
+                    <a:pt x="7069016" y="144445"/>
                   </a:cubicBezTo>
                   <a:cubicBezTo>
-                    <a:pt x="7291541" y="-2592"/>
-                    <a:pt x="7352375" y="44944"/>
-                    <a:pt x="7339789" y="99274"/>
+                    <a:pt x="7080759" y="341464"/>
+                    <a:pt x="7048326" y="436764"/>
+                    <a:pt x="7069016" y="722207"/>
                   </a:cubicBezTo>
                   <a:cubicBezTo>
-                    <a:pt x="7351328" y="288436"/>
-                    <a:pt x="7335154" y="326102"/>
-                    <a:pt x="7339789" y="496357"/>
+                    <a:pt x="7062978" y="800765"/>
+                    <a:pt x="7009562" y="859286"/>
+                    <a:pt x="6924571" y="866652"/>
                   </a:cubicBezTo>
                   <a:cubicBezTo>
-                    <a:pt x="7342985" y="562700"/>
-                    <a:pt x="7296771" y="593469"/>
-                    <a:pt x="7240515" y="595631"/>
+                    <a:pt x="6727750" y="879430"/>
+                    <a:pt x="6627209" y="861496"/>
+                    <a:pt x="6449962" y="866652"/>
                   </a:cubicBezTo>
                   <a:cubicBezTo>
-                    <a:pt x="7056160" y="606505"/>
-                    <a:pt x="6777528" y="590397"/>
-                    <a:pt x="6448486" y="595631"/>
+                    <a:pt x="6272715" y="871808"/>
+                    <a:pt x="6132613" y="869668"/>
+                    <a:pt x="5907552" y="866652"/>
                   </a:cubicBezTo>
                   <a:cubicBezTo>
-                    <a:pt x="6119444" y="600865"/>
-                    <a:pt x="5819789" y="595917"/>
-                    <a:pt x="5656458" y="595631"/>
+                    <a:pt x="5682491" y="863637"/>
+                    <a:pt x="5367559" y="840697"/>
+                    <a:pt x="5093937" y="866652"/>
                   </a:cubicBezTo>
                   <a:cubicBezTo>
-                    <a:pt x="5493127" y="595345"/>
-                    <a:pt x="5313639" y="608715"/>
-                    <a:pt x="5150079" y="595631"/>
+                    <a:pt x="4820316" y="892607"/>
+                    <a:pt x="4739342" y="864828"/>
+                    <a:pt x="4551527" y="866652"/>
                   </a:cubicBezTo>
                   <a:cubicBezTo>
-                    <a:pt x="4986519" y="582547"/>
-                    <a:pt x="4823941" y="599908"/>
-                    <a:pt x="4715113" y="595631"/>
+                    <a:pt x="4363712" y="868477"/>
+                    <a:pt x="4212484" y="881376"/>
+                    <a:pt x="4076918" y="866652"/>
                   </a:cubicBezTo>
                   <a:cubicBezTo>
-                    <a:pt x="4606285" y="591354"/>
-                    <a:pt x="4144891" y="569167"/>
-                    <a:pt x="3994496" y="595631"/>
+                    <a:pt x="3941352" y="851928"/>
+                    <a:pt x="3614075" y="901520"/>
+                    <a:pt x="3331104" y="866652"/>
                   </a:cubicBezTo>
                   <a:cubicBezTo>
-                    <a:pt x="3844101" y="622095"/>
-                    <a:pt x="3536710" y="625256"/>
-                    <a:pt x="3345293" y="595631"/>
+                    <a:pt x="3048133" y="831784"/>
+                    <a:pt x="2913790" y="894406"/>
+                    <a:pt x="2653092" y="866652"/>
                   </a:cubicBezTo>
                   <a:cubicBezTo>
-                    <a:pt x="3153876" y="566006"/>
-                    <a:pt x="3046086" y="617703"/>
-                    <a:pt x="2767501" y="595631"/>
+                    <a:pt x="2392394" y="838898"/>
+                    <a:pt x="2218278" y="845059"/>
+                    <a:pt x="2042880" y="866652"/>
                   </a:cubicBezTo>
                   <a:cubicBezTo>
-                    <a:pt x="2488916" y="573559"/>
-                    <a:pt x="2482491" y="589159"/>
-                    <a:pt x="2332535" y="595631"/>
+                    <a:pt x="1867482" y="888245"/>
+                    <a:pt x="1666018" y="882686"/>
+                    <a:pt x="1568271" y="866652"/>
                   </a:cubicBezTo>
                   <a:cubicBezTo>
-                    <a:pt x="2182579" y="602103"/>
-                    <a:pt x="1844890" y="561683"/>
-                    <a:pt x="1611919" y="595631"/>
+                    <a:pt x="1470524" y="850618"/>
+                    <a:pt x="993417" y="854977"/>
+                    <a:pt x="822458" y="866652"/>
                   </a:cubicBezTo>
                   <a:cubicBezTo>
-                    <a:pt x="1378948" y="629579"/>
-                    <a:pt x="1286167" y="607286"/>
-                    <a:pt x="1105540" y="595631"/>
+                    <a:pt x="651499" y="878327"/>
+                    <a:pt x="398808" y="865886"/>
+                    <a:pt x="144445" y="866652"/>
                   </a:cubicBezTo>
                   <a:cubicBezTo>
-                    <a:pt x="924913" y="583976"/>
-                    <a:pt x="302890" y="590635"/>
-                    <a:pt x="99274" y="595631"/>
+                    <a:pt x="70044" y="867262"/>
+                    <a:pt x="-3259" y="809727"/>
+                    <a:pt x="0" y="722207"/>
                   </a:cubicBezTo>
                   <a:cubicBezTo>
-                    <a:pt x="51305" y="592207"/>
-                    <a:pt x="-1865" y="540386"/>
-                    <a:pt x="0" y="496357"/>
-                  </a:cubicBezTo>
-                  <a:cubicBezTo>
-                    <a:pt x="-17156" y="404603"/>
-                    <a:pt x="514" y="182050"/>
-                    <a:pt x="0" y="99274"/>
+                    <a:pt x="-6662" y="565218"/>
+                    <a:pt x="23654" y="294775"/>
+                    <a:pt x="0" y="144445"/>
                   </a:cubicBezTo>
                   <a:close/>
                 </a:path>
